--- a/data/pptx/010_poduzetnistvo.pptx
+++ b/data/pptx/010_poduzetnistvo.pptx
@@ -247,7 +247,7 @@
             <a:fld id="{0DE5D643-D875-49BA-AC11-2E81D3EFA866}" type="datetimeFigureOut">
               <a:rPr lang="sr-Latn-CS" smtClean="0"/>
               <a:pPr/>
-              <a:t>15.5.2018.</a:t>
+              <a:t>29.4.2019.</a:t>
             </a:fld>
             <a:endParaRPr lang="hr-HR"/>
           </a:p>
@@ -414,7 +414,7 @@
             <a:fld id="{6CCAC008-3BA1-4F57-A152-90474F7AC888}" type="datetimeFigureOut">
               <a:rPr lang="sr-Latn-CS" smtClean="0"/>
               <a:pPr/>
-              <a:t>15.5.2018.</a:t>
+              <a:t>29.4.2019.</a:t>
             </a:fld>
             <a:endParaRPr lang="hr-HR"/>
           </a:p>
@@ -1096,7 +1096,7 @@
             <a:fld id="{7CB97365-EBCA-4027-87D5-99FC1D4DF0BB}" type="datetimeFigureOut">
               <a:rPr lang="en-US" smtClean="0"/>
               <a:pPr/>
-              <a:t>5/15/2018</a:t>
+              <a:t>4/29/2019</a:t>
             </a:fld>
             <a:endParaRPr lang="en-US"/>
           </a:p>
@@ -1275,7 +1275,7 @@
             <a:fld id="{7CB97365-EBCA-4027-87D5-99FC1D4DF0BB}" type="datetimeFigureOut">
               <a:rPr lang="en-US" smtClean="0"/>
               <a:pPr/>
-              <a:t>5/15/2018</a:t>
+              <a:t>4/29/2019</a:t>
             </a:fld>
             <a:endParaRPr lang="en-US"/>
           </a:p>
@@ -1464,7 +1464,7 @@
             <a:fld id="{7CB97365-EBCA-4027-87D5-99FC1D4DF0BB}" type="datetimeFigureOut">
               <a:rPr lang="en-US" smtClean="0"/>
               <a:pPr/>
-              <a:t>5/15/2018</a:t>
+              <a:t>4/29/2019</a:t>
             </a:fld>
             <a:endParaRPr lang="en-US"/>
           </a:p>
@@ -3771,7 +3771,7 @@
             <a:fld id="{7CB97365-EBCA-4027-87D5-99FC1D4DF0BB}" type="datetimeFigureOut">
               <a:rPr lang="en-US" smtClean="0"/>
               <a:pPr/>
-              <a:t>5/15/2018</a:t>
+              <a:t>4/29/2019</a:t>
             </a:fld>
             <a:endParaRPr lang="en-US"/>
           </a:p>
@@ -4727,7 +4727,7 @@
             <a:fld id="{7CB97365-EBCA-4027-87D5-99FC1D4DF0BB}" type="datetimeFigureOut">
               <a:rPr lang="en-US" smtClean="0"/>
               <a:pPr/>
-              <a:t>5/15/2018</a:t>
+              <a:t>4/29/2019</a:t>
             </a:fld>
             <a:endParaRPr lang="en-US"/>
           </a:p>
@@ -5079,7 +5079,7 @@
             <a:fld id="{7CB97365-EBCA-4027-87D5-99FC1D4DF0BB}" type="datetimeFigureOut">
               <a:rPr lang="en-US" smtClean="0"/>
               <a:pPr/>
-              <a:t>5/15/2018</a:t>
+              <a:t>4/29/2019</a:t>
             </a:fld>
             <a:endParaRPr lang="en-US"/>
           </a:p>
@@ -5502,7 +5502,7 @@
             <a:fld id="{7CB97365-EBCA-4027-87D5-99FC1D4DF0BB}" type="datetimeFigureOut">
               <a:rPr lang="en-US" smtClean="0"/>
               <a:pPr/>
-              <a:t>5/15/2018</a:t>
+              <a:t>4/29/2019</a:t>
             </a:fld>
             <a:endParaRPr lang="en-US"/>
           </a:p>
@@ -5629,7 +5629,7 @@
             <a:fld id="{7CB97365-EBCA-4027-87D5-99FC1D4DF0BB}" type="datetimeFigureOut">
               <a:rPr lang="en-US" smtClean="0"/>
               <a:pPr/>
-              <a:t>5/15/2018</a:t>
+              <a:t>4/29/2019</a:t>
             </a:fld>
             <a:endParaRPr lang="en-US"/>
           </a:p>
@@ -5733,7 +5733,7 @@
             <a:fld id="{7CB97365-EBCA-4027-87D5-99FC1D4DF0BB}" type="datetimeFigureOut">
               <a:rPr lang="en-US" smtClean="0"/>
               <a:pPr/>
-              <a:t>5/15/2018</a:t>
+              <a:t>4/29/2019</a:t>
             </a:fld>
             <a:endParaRPr lang="en-US"/>
           </a:p>
@@ -6005,7 +6005,7 @@
             <a:fld id="{7CB97365-EBCA-4027-87D5-99FC1D4DF0BB}" type="datetimeFigureOut">
               <a:rPr lang="en-US" smtClean="0"/>
               <a:pPr/>
-              <a:t>5/15/2018</a:t>
+              <a:t>4/29/2019</a:t>
             </a:fld>
             <a:endParaRPr lang="en-US"/>
           </a:p>
@@ -6271,7 +6271,7 @@
             <a:fld id="{7CB97365-EBCA-4027-87D5-99FC1D4DF0BB}" type="datetimeFigureOut">
               <a:rPr lang="en-US" smtClean="0"/>
               <a:pPr/>
-              <a:t>5/15/2018</a:t>
+              <a:t>4/29/2019</a:t>
             </a:fld>
             <a:endParaRPr lang="en-US"/>
           </a:p>
@@ -6514,7 +6514,7 @@
             <a:fld id="{7CB97365-EBCA-4027-87D5-99FC1D4DF0BB}" type="datetimeFigureOut">
               <a:rPr lang="en-US" smtClean="0"/>
               <a:pPr/>
-              <a:t>5/15/2018</a:t>
+              <a:t>4/29/2019</a:t>
             </a:fld>
             <a:endParaRPr lang="en-US">
               <a:solidFill>
@@ -7919,13 +7919,13 @@
   <p:clrMapOvr>
     <a:masterClrMapping/>
   </p:clrMapOvr>
-  <mc:AlternateContent xmlns:mc="http://schemas.openxmlformats.org/markup-compatibility/2006">
-    <mc:Choice xmlns:p14="http://schemas.microsoft.com/office/powerpoint/2010/main" Requires="p14">
+  <mc:AlternateContent xmlns:mc="http://schemas.openxmlformats.org/markup-compatibility/2006" xmlns:p14="http://schemas.microsoft.com/office/powerpoint/2010/main">
+    <mc:Choice Requires="p14">
       <p:transition>
         <p14:reveal/>
       </p:transition>
     </mc:Choice>
-    <mc:Fallback>
+    <mc:Fallback xmlns="">
       <p:transition>
         <p:fade/>
       </p:transition>
@@ -8289,13 +8289,13 @@
   <p:clrMapOvr>
     <a:masterClrMapping/>
   </p:clrMapOvr>
-  <mc:AlternateContent xmlns:mc="http://schemas.openxmlformats.org/markup-compatibility/2006">
-    <mc:Choice xmlns:p14="http://schemas.microsoft.com/office/powerpoint/2010/main" Requires="p14">
+  <mc:AlternateContent xmlns:mc="http://schemas.openxmlformats.org/markup-compatibility/2006" xmlns:p14="http://schemas.microsoft.com/office/powerpoint/2010/main">
+    <mc:Choice Requires="p14">
       <p:transition>
         <p14:reveal/>
       </p:transition>
     </mc:Choice>
-    <mc:Fallback>
+    <mc:Fallback xmlns="">
       <p:transition>
         <p:fade/>
       </p:transition>
@@ -8803,13 +8803,13 @@
   <p:clrMapOvr>
     <a:masterClrMapping/>
   </p:clrMapOvr>
-  <mc:AlternateContent xmlns:mc="http://schemas.openxmlformats.org/markup-compatibility/2006">
-    <mc:Choice xmlns:p14="http://schemas.microsoft.com/office/powerpoint/2010/main" Requires="p14">
+  <mc:AlternateContent xmlns:mc="http://schemas.openxmlformats.org/markup-compatibility/2006" xmlns:p14="http://schemas.microsoft.com/office/powerpoint/2010/main">
+    <mc:Choice Requires="p14">
       <p:transition>
         <p14:reveal/>
       </p:transition>
     </mc:Choice>
-    <mc:Fallback>
+    <mc:Fallback xmlns="">
       <p:transition>
         <p:fade/>
       </p:transition>
@@ -9453,7 +9453,7 @@
                 </a:effectLst>
                 <a:latin typeface="+mj-lt"/>
               </a:rPr>
-              <a:t>FAZE RAZVOJA MARKETINGA</a:t>
+              <a:t>FAZE/ERE RAZVOJA MARKETINGA</a:t>
             </a:r>
             <a:endParaRPr lang="hr-HR" sz="4000" dirty="0">
               <a:solidFill>
@@ -9554,13 +9554,13 @@
   <p:clrMapOvr>
     <a:masterClrMapping/>
   </p:clrMapOvr>
-  <mc:AlternateContent xmlns:mc="http://schemas.openxmlformats.org/markup-compatibility/2006">
-    <mc:Choice xmlns:p14="http://schemas.microsoft.com/office/powerpoint/2010/main" Requires="p14">
+  <mc:AlternateContent xmlns:mc="http://schemas.openxmlformats.org/markup-compatibility/2006" xmlns:p14="http://schemas.microsoft.com/office/powerpoint/2010/main">
+    <mc:Choice Requires="p14">
       <p:transition>
         <p14:reveal/>
       </p:transition>
     </mc:Choice>
-    <mc:Fallback>
+    <mc:Fallback xmlns="">
       <p:transition>
         <p:fade/>
       </p:transition>
@@ -11875,13 +11875,13 @@
   <p:clrMapOvr>
     <a:masterClrMapping/>
   </p:clrMapOvr>
-  <mc:AlternateContent xmlns:mc="http://schemas.openxmlformats.org/markup-compatibility/2006">
-    <mc:Choice xmlns:p14="http://schemas.microsoft.com/office/powerpoint/2010/main" Requires="p14">
+  <mc:AlternateContent xmlns:mc="http://schemas.openxmlformats.org/markup-compatibility/2006" xmlns:p14="http://schemas.microsoft.com/office/powerpoint/2010/main">
+    <mc:Choice Requires="p14">
       <p:transition>
         <p14:reveal/>
       </p:transition>
     </mc:Choice>
-    <mc:Fallback>
+    <mc:Fallback xmlns="">
       <p:transition>
         <p:fade/>
       </p:transition>
@@ -12942,13 +12942,13 @@
   <p:clrMapOvr>
     <a:masterClrMapping/>
   </p:clrMapOvr>
-  <mc:AlternateContent xmlns:mc="http://schemas.openxmlformats.org/markup-compatibility/2006">
-    <mc:Choice xmlns:p14="http://schemas.microsoft.com/office/powerpoint/2010/main" Requires="p14">
+  <mc:AlternateContent xmlns:mc="http://schemas.openxmlformats.org/markup-compatibility/2006" xmlns:p14="http://schemas.microsoft.com/office/powerpoint/2010/main">
+    <mc:Choice Requires="p14">
       <p:transition>
         <p14:reveal/>
       </p:transition>
     </mc:Choice>
-    <mc:Fallback>
+    <mc:Fallback xmlns="">
       <p:transition>
         <p:fade/>
       </p:transition>
@@ -13588,13 +13588,13 @@
   <p:clrMapOvr>
     <a:masterClrMapping/>
   </p:clrMapOvr>
-  <mc:AlternateContent xmlns:mc="http://schemas.openxmlformats.org/markup-compatibility/2006">
-    <mc:Choice xmlns:p14="http://schemas.microsoft.com/office/powerpoint/2010/main" Requires="p14">
+  <mc:AlternateContent xmlns:mc="http://schemas.openxmlformats.org/markup-compatibility/2006" xmlns:p14="http://schemas.microsoft.com/office/powerpoint/2010/main">
+    <mc:Choice Requires="p14">
       <p:transition>
         <p14:reveal/>
       </p:transition>
     </mc:Choice>
-    <mc:Fallback>
+    <mc:Fallback xmlns="">
       <p:transition>
         <p:fade/>
       </p:transition>
@@ -14033,13 +14033,13 @@
   <p:clrMapOvr>
     <a:masterClrMapping/>
   </p:clrMapOvr>
-  <mc:AlternateContent xmlns:mc="http://schemas.openxmlformats.org/markup-compatibility/2006">
-    <mc:Choice xmlns:p14="http://schemas.microsoft.com/office/powerpoint/2010/main" Requires="p14">
+  <mc:AlternateContent xmlns:mc="http://schemas.openxmlformats.org/markup-compatibility/2006" xmlns:p14="http://schemas.microsoft.com/office/powerpoint/2010/main">
+    <mc:Choice Requires="p14">
       <p:transition>
         <p14:reveal/>
       </p:transition>
     </mc:Choice>
-    <mc:Fallback>
+    <mc:Fallback xmlns="">
       <p:transition>
         <p:fade/>
       </p:transition>
@@ -15116,13 +15116,13 @@
   <p:clrMapOvr>
     <a:masterClrMapping/>
   </p:clrMapOvr>
-  <mc:AlternateContent xmlns:mc="http://schemas.openxmlformats.org/markup-compatibility/2006">
-    <mc:Choice xmlns:p14="http://schemas.microsoft.com/office/powerpoint/2010/main" Requires="p14">
+  <mc:AlternateContent xmlns:mc="http://schemas.openxmlformats.org/markup-compatibility/2006" xmlns:p14="http://schemas.microsoft.com/office/powerpoint/2010/main">
+    <mc:Choice Requires="p14">
       <p:transition>
         <p14:reveal/>
       </p:transition>
     </mc:Choice>
-    <mc:Fallback>
+    <mc:Fallback xmlns="">
       <p:transition>
         <p:fade/>
       </p:transition>
@@ -15563,7 +15563,35 @@
                 <a:latin typeface="Calibri" pitchFamily="34" charset="0"/>
                 <a:cs typeface="Calibri" pitchFamily="34" charset="0"/>
               </a:rPr>
-              <a:t> koje vrijede za određenu skupinu kupaca ili  rzličite prema drugim kriterijima</a:t>
+              <a:t> koje vrijede za određenu skupinu kupaca ili  </a:t>
+            </a:r>
+            <a:r>
+              <a:rPr lang="vi-VN" sz="2600" dirty="0" smtClean="0">
+                <a:latin typeface="Calibri" pitchFamily="34" charset="0"/>
+                <a:cs typeface="Calibri" pitchFamily="34" charset="0"/>
+              </a:rPr>
+              <a:t>r</a:t>
+            </a:r>
+            <a:r>
+              <a:rPr lang="hr-HR" sz="2600" dirty="0" smtClean="0">
+                <a:latin typeface="Calibri" pitchFamily="34" charset="0"/>
+                <a:cs typeface="Calibri" pitchFamily="34" charset="0"/>
+              </a:rPr>
+              <a:t>a</a:t>
+            </a:r>
+            <a:r>
+              <a:rPr lang="vi-VN" sz="2600" dirty="0" smtClean="0">
+                <a:latin typeface="Calibri" pitchFamily="34" charset="0"/>
+                <a:cs typeface="Calibri" pitchFamily="34" charset="0"/>
+              </a:rPr>
+              <a:t>zličite </a:t>
+            </a:r>
+            <a:r>
+              <a:rPr lang="vi-VN" sz="2600" dirty="0" smtClean="0">
+                <a:latin typeface="Calibri" pitchFamily="34" charset="0"/>
+                <a:cs typeface="Calibri" pitchFamily="34" charset="0"/>
+              </a:rPr>
+              <a:t>prema drugim kriterijima</a:t>
             </a:r>
             <a:r>
               <a:rPr lang="hr-HR" sz="2600" dirty="0" smtClean="0">
@@ -15894,13 +15922,13 @@
   <p:clrMapOvr>
     <a:masterClrMapping/>
   </p:clrMapOvr>
-  <mc:AlternateContent xmlns:mc="http://schemas.openxmlformats.org/markup-compatibility/2006">
-    <mc:Choice xmlns:p14="http://schemas.microsoft.com/office/powerpoint/2010/main" Requires="p14">
+  <mc:AlternateContent xmlns:mc="http://schemas.openxmlformats.org/markup-compatibility/2006" xmlns:p14="http://schemas.microsoft.com/office/powerpoint/2010/main">
+    <mc:Choice Requires="p14">
       <p:transition>
         <p14:reveal/>
       </p:transition>
     </mc:Choice>
-    <mc:Fallback>
+    <mc:Fallback xmlns="">
       <p:transition>
         <p:fade/>
       </p:transition>
@@ -16893,9 +16921,7 @@
               <a:srgbClr val="C00000"/>
             </a:solidFill>
             <a:ln>
-              <a:solidFill>
-                <a:schemeClr val="tx1"/>
-              </a:solidFill>
+              <a:noFill/>
             </a:ln>
             <a:effectLst>
               <a:outerShdw blurRad="50800" dist="38100" dir="2700000" algn="tl" rotWithShape="0">
@@ -16964,9 +16990,7 @@
               <a:srgbClr val="C00000"/>
             </a:solidFill>
             <a:ln>
-              <a:solidFill>
-                <a:schemeClr val="tx1"/>
-              </a:solidFill>
+              <a:noFill/>
             </a:ln>
             <a:effectLst>
               <a:outerShdw blurRad="50800" dist="38100" dir="2700000" algn="tl" rotWithShape="0">
@@ -17035,9 +17059,7 @@
               <a:srgbClr val="002060"/>
             </a:solidFill>
             <a:ln>
-              <a:solidFill>
-                <a:schemeClr val="tx1"/>
-              </a:solidFill>
+              <a:noFill/>
             </a:ln>
             <a:effectLst>
               <a:outerShdw blurRad="50800" dist="38100" dir="2700000" algn="tl" rotWithShape="0">
@@ -17106,9 +17128,7 @@
               <a:srgbClr val="002060"/>
             </a:solidFill>
             <a:ln>
-              <a:solidFill>
-                <a:schemeClr val="tx1"/>
-              </a:solidFill>
+              <a:noFill/>
             </a:ln>
             <a:effectLst>
               <a:outerShdw blurRad="50800" dist="38100" dir="2700000" algn="tl" rotWithShape="0">
@@ -17491,13 +17511,13 @@
   <p:clrMapOvr>
     <a:masterClrMapping/>
   </p:clrMapOvr>
-  <mc:AlternateContent xmlns:mc="http://schemas.openxmlformats.org/markup-compatibility/2006">
-    <mc:Choice xmlns:p14="http://schemas.microsoft.com/office/powerpoint/2010/main" Requires="p14">
+  <mc:AlternateContent xmlns:mc="http://schemas.openxmlformats.org/markup-compatibility/2006" xmlns:p14="http://schemas.microsoft.com/office/powerpoint/2010/main">
+    <mc:Choice Requires="p14">
       <p:transition>
         <p14:reveal/>
       </p:transition>
     </mc:Choice>
-    <mc:Fallback>
+    <mc:Fallback xmlns="">
       <p:transition>
         <p:fade/>
       </p:transition>
@@ -19038,13 +19058,13 @@
   <p:clrMapOvr>
     <a:masterClrMapping/>
   </p:clrMapOvr>
-  <mc:AlternateContent xmlns:mc="http://schemas.openxmlformats.org/markup-compatibility/2006">
-    <mc:Choice xmlns:p14="http://schemas.microsoft.com/office/powerpoint/2010/main" Requires="p14">
+  <mc:AlternateContent xmlns:mc="http://schemas.openxmlformats.org/markup-compatibility/2006" xmlns:p14="http://schemas.microsoft.com/office/powerpoint/2010/main">
+    <mc:Choice Requires="p14">
       <p:transition>
         <p14:reveal/>
       </p:transition>
     </mc:Choice>
-    <mc:Fallback>
+    <mc:Fallback xmlns="">
       <p:transition>
         <p:fade/>
       </p:transition>
@@ -20388,13 +20408,13 @@
   <p:clrMapOvr>
     <a:masterClrMapping/>
   </p:clrMapOvr>
-  <mc:AlternateContent xmlns:mc="http://schemas.openxmlformats.org/markup-compatibility/2006">
-    <mc:Choice xmlns:p14="http://schemas.microsoft.com/office/powerpoint/2010/main" Requires="p14">
+  <mc:AlternateContent xmlns:mc="http://schemas.openxmlformats.org/markup-compatibility/2006" xmlns:p14="http://schemas.microsoft.com/office/powerpoint/2010/main">
+    <mc:Choice Requires="p14">
       <p:transition>
         <p14:reveal/>
       </p:transition>
     </mc:Choice>
-    <mc:Fallback>
+    <mc:Fallback xmlns="">
       <p:transition>
         <p:fade/>
       </p:transition>
@@ -20935,13 +20955,13 @@
   <p:clrMapOvr>
     <a:masterClrMapping/>
   </p:clrMapOvr>
-  <mc:AlternateContent xmlns:mc="http://schemas.openxmlformats.org/markup-compatibility/2006">
-    <mc:Choice xmlns:p14="http://schemas.microsoft.com/office/powerpoint/2010/main" Requires="p14">
+  <mc:AlternateContent xmlns:mc="http://schemas.openxmlformats.org/markup-compatibility/2006" xmlns:p14="http://schemas.microsoft.com/office/powerpoint/2010/main">
+    <mc:Choice Requires="p14">
       <p:transition>
         <p14:reveal/>
       </p:transition>
     </mc:Choice>
-    <mc:Fallback>
+    <mc:Fallback xmlns="">
       <p:transition>
         <p:fade/>
       </p:transition>
@@ -21118,7 +21138,7 @@
                 </a:effectLst>
                 <a:latin typeface="+mj-lt"/>
               </a:rPr>
-              <a:t>KUPOVINA POSTOJEĆEG PODUZEĆA</a:t>
+              <a:t>KUPOVINA POSTOJEĆEG POSLOVANJA</a:t>
             </a:r>
           </a:p>
           <a:p>
@@ -21210,7 +21230,7 @@
       </p:sp>
       <p:grpSp>
         <p:nvGrpSpPr>
-          <p:cNvPr id="9" name="Group 8"/>
+          <p:cNvPr id="3" name="Group 2"/>
           <p:cNvGrpSpPr/>
           <p:nvPr/>
         </p:nvGrpSpPr>
@@ -21218,8 +21238,8 @@
           <a:xfrm>
             <a:off x="142844" y="3786190"/>
             <a:ext cx="8835860" cy="2786082"/>
-            <a:chOff x="642910" y="3786190"/>
-            <a:chExt cx="7929618" cy="2500330"/>
+            <a:chOff x="142844" y="3786190"/>
+            <a:chExt cx="8835860" cy="2786082"/>
           </a:xfrm>
         </p:grpSpPr>
         <p:sp>
@@ -21230,8 +21250,8 @@
           </p:nvSpPr>
           <p:spPr>
             <a:xfrm>
-              <a:off x="642910" y="3786190"/>
-              <a:ext cx="7929618" cy="2500330"/>
+              <a:off x="142844" y="3786190"/>
+              <a:ext cx="8835860" cy="2786082"/>
             </a:xfrm>
             <a:prstGeom prst="rect">
               <a:avLst/>
@@ -21278,7 +21298,7 @@
             </p:cNvPicPr>
             <p:nvPr/>
           </p:nvPicPr>
-          <p:blipFill>
+          <p:blipFill rotWithShape="1">
             <a:blip r:embed="rId2">
               <a:extLst>
                 <a:ext uri="{BEBA8EAE-BF5A-486C-A8C5-ECC9F3942E4B}">
@@ -21292,15 +21312,13 @@
                 </a:ext>
               </a:extLst>
             </a:blip>
-            <a:srcRect/>
-            <a:stretch>
-              <a:fillRect/>
-            </a:stretch>
+            <a:srcRect t="38196"/>
+            <a:stretch/>
           </p:blipFill>
           <p:spPr bwMode="auto">
             <a:xfrm>
-              <a:off x="2898703" y="3857628"/>
-              <a:ext cx="5530949" cy="2357454"/>
+              <a:off x="2513399" y="4869160"/>
+              <a:ext cx="6163057" cy="1623509"/>
             </a:xfrm>
             <a:prstGeom prst="rect">
               <a:avLst/>
@@ -21316,7 +21334,7 @@
             </p:cNvPicPr>
             <p:nvPr/>
           </p:nvPicPr>
-          <p:blipFill>
+          <p:blipFill rotWithShape="1">
             <a:blip r:embed="rId4">
               <a:extLst>
                 <a:ext uri="{BEBA8EAE-BF5A-486C-A8C5-ECC9F3942E4B}">
@@ -21330,15 +21348,13 @@
                 </a:ext>
               </a:extLst>
             </a:blip>
-            <a:srcRect/>
-            <a:stretch>
-              <a:fillRect/>
-            </a:stretch>
+            <a:srcRect t="37220"/>
+            <a:stretch/>
           </p:blipFill>
           <p:spPr bwMode="auto">
             <a:xfrm>
-              <a:off x="928661" y="4106049"/>
-              <a:ext cx="1894023" cy="1751843"/>
+              <a:off x="461252" y="4869160"/>
+              <a:ext cx="2110483" cy="1225498"/>
             </a:xfrm>
             <a:prstGeom prst="rect">
               <a:avLst/>
@@ -21346,19 +21362,570 @@
             <a:noFill/>
           </p:spPr>
         </p:pic>
+        <p:sp>
+          <p:nvSpPr>
+            <p:cNvPr id="2" name="Rectangle 1"/>
+            <p:cNvSpPr/>
+            <p:nvPr/>
+          </p:nvSpPr>
+          <p:spPr>
+            <a:xfrm>
+              <a:off x="2740362" y="4039684"/>
+              <a:ext cx="1763502" cy="726556"/>
+            </a:xfrm>
+            <a:prstGeom prst="rect">
+              <a:avLst/>
+            </a:prstGeom>
+            <a:solidFill>
+              <a:schemeClr val="tx1"/>
+            </a:solidFill>
+            <a:ln>
+              <a:noFill/>
+            </a:ln>
+          </p:spPr>
+          <p:style>
+            <a:lnRef idx="2">
+              <a:schemeClr val="accent1">
+                <a:shade val="50000"/>
+              </a:schemeClr>
+            </a:lnRef>
+            <a:fillRef idx="1">
+              <a:schemeClr val="accent1"/>
+            </a:fillRef>
+            <a:effectRef idx="0">
+              <a:schemeClr val="accent1"/>
+            </a:effectRef>
+            <a:fontRef idx="minor">
+              <a:schemeClr val="lt1"/>
+            </a:fontRef>
+          </p:style>
+          <p:txBody>
+            <a:bodyPr rtlCol="0" anchor="ctr"/>
+            <a:lstStyle/>
+            <a:p>
+              <a:pPr algn="ctr"/>
+              <a:r>
+                <a:rPr lang="hr-HR" sz="2000" b="1" dirty="0" smtClean="0">
+                  <a:solidFill>
+                    <a:srgbClr val="FF0000"/>
+                  </a:solidFill>
+                </a:rPr>
+                <a:t>KUPOVIANA POSOTJEĆEG POSLOVANJA</a:t>
+              </a:r>
+              <a:endParaRPr lang="hr-HR" sz="2000" b="1" dirty="0">
+                <a:solidFill>
+                  <a:srgbClr val="FF0000"/>
+                </a:solidFill>
+              </a:endParaRPr>
+            </a:p>
+          </p:txBody>
+        </p:sp>
+        <p:sp>
+          <p:nvSpPr>
+            <p:cNvPr id="10" name="Rectangle 9"/>
+            <p:cNvSpPr/>
+            <p:nvPr/>
+          </p:nvSpPr>
+          <p:spPr>
+            <a:xfrm>
+              <a:off x="946266" y="4039684"/>
+              <a:ext cx="1162360" cy="726556"/>
+            </a:xfrm>
+            <a:prstGeom prst="rect">
+              <a:avLst/>
+            </a:prstGeom>
+            <a:solidFill>
+              <a:schemeClr val="tx1"/>
+            </a:solidFill>
+            <a:ln>
+              <a:noFill/>
+            </a:ln>
+          </p:spPr>
+          <p:style>
+            <a:lnRef idx="2">
+              <a:schemeClr val="accent1">
+                <a:shade val="50000"/>
+              </a:schemeClr>
+            </a:lnRef>
+            <a:fillRef idx="1">
+              <a:schemeClr val="accent1"/>
+            </a:fillRef>
+            <a:effectRef idx="0">
+              <a:schemeClr val="accent1"/>
+            </a:effectRef>
+            <a:fontRef idx="minor">
+              <a:schemeClr val="lt1"/>
+            </a:fontRef>
+          </p:style>
+          <p:txBody>
+            <a:bodyPr rtlCol="0" anchor="ctr"/>
+            <a:lstStyle/>
+            <a:p>
+              <a:pPr algn="ctr"/>
+              <a:r>
+                <a:rPr lang="hr-HR" sz="2000" b="1" dirty="0" smtClean="0">
+                  <a:solidFill>
+                    <a:srgbClr val="FF0000"/>
+                  </a:solidFill>
+                </a:rPr>
+                <a:t>POČETI OD NULE</a:t>
+              </a:r>
+              <a:endParaRPr lang="hr-HR" sz="2000" b="1" dirty="0">
+                <a:solidFill>
+                  <a:srgbClr val="FF0000"/>
+                </a:solidFill>
+              </a:endParaRPr>
+            </a:p>
+          </p:txBody>
+        </p:sp>
+        <p:sp>
+          <p:nvSpPr>
+            <p:cNvPr id="11" name="Rectangle 10"/>
+            <p:cNvSpPr/>
+            <p:nvPr/>
+          </p:nvSpPr>
+          <p:spPr>
+            <a:xfrm>
+              <a:off x="5135600" y="4039684"/>
+              <a:ext cx="1324945" cy="726556"/>
+            </a:xfrm>
+            <a:prstGeom prst="rect">
+              <a:avLst/>
+            </a:prstGeom>
+            <a:solidFill>
+              <a:schemeClr val="tx1"/>
+            </a:solidFill>
+            <a:ln>
+              <a:noFill/>
+            </a:ln>
+          </p:spPr>
+          <p:style>
+            <a:lnRef idx="2">
+              <a:schemeClr val="accent1">
+                <a:shade val="50000"/>
+              </a:schemeClr>
+            </a:lnRef>
+            <a:fillRef idx="1">
+              <a:schemeClr val="accent1"/>
+            </a:fillRef>
+            <a:effectRef idx="0">
+              <a:schemeClr val="accent1"/>
+            </a:effectRef>
+            <a:fontRef idx="minor">
+              <a:schemeClr val="lt1"/>
+            </a:fontRef>
+          </p:style>
+          <p:txBody>
+            <a:bodyPr rtlCol="0" anchor="ctr"/>
+            <a:lstStyle/>
+            <a:p>
+              <a:pPr algn="ctr"/>
+              <a:r>
+                <a:rPr lang="hr-HR" sz="2000" b="1" dirty="0" smtClean="0">
+                  <a:solidFill>
+                    <a:srgbClr val="FF0000"/>
+                  </a:solidFill>
+                </a:rPr>
+                <a:t>FRANŠIZA</a:t>
+              </a:r>
+              <a:endParaRPr lang="hr-HR" sz="2000" b="1" dirty="0">
+                <a:solidFill>
+                  <a:srgbClr val="FF0000"/>
+                </a:solidFill>
+              </a:endParaRPr>
+            </a:p>
+          </p:txBody>
+        </p:sp>
+        <p:sp>
+          <p:nvSpPr>
+            <p:cNvPr id="12" name="Rectangle 11"/>
+            <p:cNvSpPr/>
+            <p:nvPr/>
+          </p:nvSpPr>
+          <p:spPr>
+            <a:xfrm>
+              <a:off x="7092280" y="3974152"/>
+              <a:ext cx="1324945" cy="726556"/>
+            </a:xfrm>
+            <a:prstGeom prst="rect">
+              <a:avLst/>
+            </a:prstGeom>
+            <a:solidFill>
+              <a:schemeClr val="tx1"/>
+            </a:solidFill>
+            <a:ln>
+              <a:noFill/>
+            </a:ln>
+          </p:spPr>
+          <p:style>
+            <a:lnRef idx="2">
+              <a:schemeClr val="accent1">
+                <a:shade val="50000"/>
+              </a:schemeClr>
+            </a:lnRef>
+            <a:fillRef idx="1">
+              <a:schemeClr val="accent1"/>
+            </a:fillRef>
+            <a:effectRef idx="0">
+              <a:schemeClr val="accent1"/>
+            </a:effectRef>
+            <a:fontRef idx="minor">
+              <a:schemeClr val="lt1"/>
+            </a:fontRef>
+          </p:style>
+          <p:txBody>
+            <a:bodyPr rtlCol="0" anchor="ctr"/>
+            <a:lstStyle/>
+            <a:p>
+              <a:pPr algn="ctr"/>
+              <a:r>
+                <a:rPr lang="hr-HR" sz="2000" b="1" dirty="0" smtClean="0">
+                  <a:solidFill>
+                    <a:srgbClr val="FF0000"/>
+                  </a:solidFill>
+                </a:rPr>
+                <a:t>OBITELJSKI POSAO</a:t>
+              </a:r>
+              <a:endParaRPr lang="hr-HR" sz="2000" b="1" dirty="0">
+                <a:solidFill>
+                  <a:srgbClr val="FF0000"/>
+                </a:solidFill>
+              </a:endParaRPr>
+            </a:p>
+          </p:txBody>
+        </p:sp>
       </p:grpSp>
+      <p:sp>
+        <p:nvSpPr>
+          <p:cNvPr id="14" name="Rounded Rectangular Callout 13"/>
+          <p:cNvSpPr/>
+          <p:nvPr/>
+        </p:nvSpPr>
+        <p:spPr>
+          <a:xfrm>
+            <a:off x="2267744" y="692696"/>
+            <a:ext cx="3647640" cy="1358755"/>
+          </a:xfrm>
+          <a:prstGeom prst="wedgeRoundRectCallout">
+            <a:avLst>
+              <a:gd name="adj1" fmla="val -37017"/>
+              <a:gd name="adj2" fmla="val 74920"/>
+              <a:gd name="adj3" fmla="val 16667"/>
+            </a:avLst>
+          </a:prstGeom>
+          <a:solidFill>
+            <a:sysClr val="window" lastClr="FFFFFF"/>
+          </a:solidFill>
+          <a:ln w="25400" cap="flat" cmpd="sng" algn="ctr">
+            <a:noFill/>
+            <a:prstDash val="solid"/>
+          </a:ln>
+          <a:effectLst>
+            <a:outerShdw blurRad="50800" dist="38100" dir="2700000" algn="tl" rotWithShape="0">
+              <a:prstClr val="black">
+                <a:alpha val="40000"/>
+              </a:prstClr>
+            </a:outerShdw>
+          </a:effectLst>
+        </p:spPr>
+        <p:txBody>
+          <a:bodyPr rtlCol="0" anchor="ctr"/>
+          <a:lstStyle/>
+          <a:p>
+            <a:pPr marL="0" marR="0" lvl="0" indent="0" algn="ctr" defTabSz="914400" eaLnBrk="1" fontAlgn="base" latinLnBrk="0" hangingPunct="1">
+              <a:lnSpc>
+                <a:spcPct val="100000"/>
+              </a:lnSpc>
+              <a:spcBef>
+                <a:spcPct val="0"/>
+              </a:spcBef>
+              <a:spcAft>
+                <a:spcPct val="0"/>
+              </a:spcAft>
+              <a:buClrTx/>
+              <a:buSzTx/>
+              <a:buFontTx/>
+              <a:buNone/>
+              <a:tabLst/>
+              <a:defRPr/>
+            </a:pPr>
+            <a:r>
+              <a:rPr lang="hr-HR" sz="2000" b="1" dirty="0">
+                <a:solidFill>
+                  <a:srgbClr val="FF0000"/>
+                </a:solidFill>
+                <a:highlight>
+                  <a:srgbClr val="FFFF00"/>
+                </a:highlight>
+                <a:ea typeface="Calibri"/>
+                <a:cs typeface="Times New Roman"/>
+              </a:rPr>
+              <a:t>Ugovor</a:t>
+            </a:r>
+            <a:r>
+              <a:rPr kumimoji="0" lang="hr-HR" sz="2000" i="0" u="none" strike="noStrike" kern="0" cap="none" spc="0" normalizeH="0" baseline="0" noProof="0" dirty="0" smtClean="0">
+                <a:ln>
+                  <a:noFill/>
+                </a:ln>
+                <a:solidFill>
+                  <a:srgbClr val="FF0000"/>
+                </a:solidFill>
+                <a:effectLst/>
+                <a:uLnTx/>
+                <a:uFillTx/>
+                <a:latin typeface="Calibri"/>
+                <a:cs typeface="Calibri" pitchFamily="34" charset="0"/>
+              </a:rPr>
+              <a:t> </a:t>
+            </a:r>
+            <a:r>
+              <a:rPr kumimoji="0" lang="hr-HR" sz="2000" i="0" u="none" strike="noStrike" kern="0" cap="none" spc="0" normalizeH="0" baseline="0" noProof="0" dirty="0" smtClean="0">
+                <a:ln>
+                  <a:noFill/>
+                </a:ln>
+                <a:solidFill>
+                  <a:schemeClr val="bg1"/>
+                </a:solidFill>
+                <a:effectLst/>
+                <a:uLnTx/>
+                <a:uFillTx/>
+                <a:latin typeface="Calibri"/>
+                <a:cs typeface="Calibri" pitchFamily="34" charset="0"/>
+              </a:rPr>
+              <a:t>koji </a:t>
+            </a:r>
+            <a:r>
+              <a:rPr kumimoji="0" lang="hr-HR" sz="2000" b="1" i="0" u="none" strike="noStrike" kern="0" cap="none" spc="0" normalizeH="0" baseline="0" noProof="0" dirty="0" smtClean="0">
+                <a:ln>
+                  <a:noFill/>
+                </a:ln>
+                <a:solidFill>
+                  <a:srgbClr val="FF0000"/>
+                </a:solidFill>
+                <a:effectLst/>
+                <a:uLnTx/>
+                <a:uFillTx/>
+                <a:latin typeface="Calibri"/>
+                <a:cs typeface="Calibri" pitchFamily="34" charset="0"/>
+              </a:rPr>
+              <a:t>kupcu</a:t>
+            </a:r>
+            <a:r>
+              <a:rPr kumimoji="0" lang="hr-HR" sz="2000" i="0" u="none" strike="noStrike" kern="0" cap="none" spc="0" normalizeH="0" baseline="0" noProof="0" dirty="0" smtClean="0">
+                <a:ln>
+                  <a:noFill/>
+                </a:ln>
+                <a:solidFill>
+                  <a:srgbClr val="FF0000"/>
+                </a:solidFill>
+                <a:effectLst/>
+                <a:uLnTx/>
+                <a:uFillTx/>
+                <a:latin typeface="Calibri"/>
+                <a:cs typeface="Calibri" pitchFamily="34" charset="0"/>
+              </a:rPr>
+              <a:t> </a:t>
+            </a:r>
+            <a:r>
+              <a:rPr kumimoji="0" lang="hr-HR" sz="2000" i="0" u="none" strike="noStrike" kern="0" cap="none" spc="0" normalizeH="0" baseline="0" noProof="0" dirty="0" smtClean="0">
+                <a:ln>
+                  <a:noFill/>
+                </a:ln>
+                <a:solidFill>
+                  <a:schemeClr val="bg1"/>
+                </a:solidFill>
+                <a:effectLst/>
+                <a:uLnTx/>
+                <a:uFillTx/>
+                <a:latin typeface="Calibri"/>
+                <a:cs typeface="Calibri" pitchFamily="34" charset="0"/>
+              </a:rPr>
+              <a:t>(</a:t>
+            </a:r>
+            <a:r>
+              <a:rPr lang="hr-HR" sz="2000" i="1" dirty="0" err="1">
+                <a:solidFill>
+                  <a:schemeClr val="bg1"/>
+                </a:solidFill>
+                <a:highlight>
+                  <a:srgbClr val="FFFF00"/>
+                </a:highlight>
+                <a:ea typeface="Calibri"/>
+                <a:cs typeface="Times New Roman"/>
+              </a:rPr>
+              <a:t>franšizantu</a:t>
+            </a:r>
+            <a:r>
+              <a:rPr kumimoji="0" lang="hr-HR" sz="2000" i="0" u="none" strike="noStrike" kern="0" cap="none" spc="0" normalizeH="0" baseline="0" noProof="0" dirty="0" smtClean="0">
+                <a:ln>
+                  <a:noFill/>
+                </a:ln>
+                <a:solidFill>
+                  <a:schemeClr val="bg1"/>
+                </a:solidFill>
+                <a:effectLst/>
+                <a:uLnTx/>
+                <a:uFillTx/>
+                <a:latin typeface="Calibri"/>
+                <a:cs typeface="Calibri" pitchFamily="34" charset="0"/>
+              </a:rPr>
+              <a:t>) dopušta prodaju proizvoda ili usluga</a:t>
+            </a:r>
+            <a:r>
+              <a:rPr kumimoji="0" lang="hr-HR" sz="2000" i="0" u="none" strike="noStrike" kern="0" cap="none" spc="0" normalizeH="0" noProof="0" dirty="0" smtClean="0">
+                <a:ln>
+                  <a:noFill/>
+                </a:ln>
+                <a:solidFill>
+                  <a:schemeClr val="bg1"/>
+                </a:solidFill>
+                <a:effectLst/>
+                <a:uLnTx/>
+                <a:uFillTx/>
+                <a:latin typeface="Calibri"/>
+                <a:cs typeface="Calibri" pitchFamily="34" charset="0"/>
+              </a:rPr>
+              <a:t> </a:t>
+            </a:r>
+            <a:r>
+              <a:rPr kumimoji="0" lang="hr-HR" sz="2000" b="1" i="0" u="none" strike="noStrike" kern="0" cap="none" spc="0" normalizeH="0" noProof="0" dirty="0" smtClean="0">
+                <a:ln>
+                  <a:noFill/>
+                </a:ln>
+                <a:solidFill>
+                  <a:srgbClr val="FF0000"/>
+                </a:solidFill>
+                <a:effectLst/>
+                <a:uLnTx/>
+                <a:uFillTx/>
+                <a:latin typeface="Calibri"/>
+                <a:cs typeface="Calibri" pitchFamily="34" charset="0"/>
+              </a:rPr>
+              <a:t>prodavatelja</a:t>
+            </a:r>
+            <a:r>
+              <a:rPr kumimoji="0" lang="hr-HR" sz="2000" i="0" u="none" strike="noStrike" kern="0" cap="none" spc="0" normalizeH="0" noProof="0" dirty="0" smtClean="0">
+                <a:ln>
+                  <a:noFill/>
+                </a:ln>
+                <a:solidFill>
+                  <a:srgbClr val="FF0000"/>
+                </a:solidFill>
+                <a:effectLst/>
+                <a:uLnTx/>
+                <a:uFillTx/>
+                <a:latin typeface="Calibri"/>
+                <a:cs typeface="Calibri" pitchFamily="34" charset="0"/>
+              </a:rPr>
+              <a:t> </a:t>
+            </a:r>
+            <a:r>
+              <a:rPr kumimoji="0" lang="hr-HR" sz="2000" i="0" u="none" strike="noStrike" kern="0" cap="none" spc="0" normalizeH="0" noProof="0" dirty="0" smtClean="0">
+                <a:ln>
+                  <a:noFill/>
+                </a:ln>
+                <a:solidFill>
+                  <a:schemeClr val="bg1"/>
+                </a:solidFill>
+                <a:effectLst/>
+                <a:uLnTx/>
+                <a:uFillTx/>
+                <a:latin typeface="Calibri"/>
+                <a:cs typeface="Calibri" pitchFamily="34" charset="0"/>
+              </a:rPr>
+              <a:t>(</a:t>
+            </a:r>
+            <a:r>
+              <a:rPr lang="hr-HR" sz="2000" i="1" dirty="0" err="1">
+                <a:solidFill>
+                  <a:schemeClr val="bg1"/>
+                </a:solidFill>
+                <a:highlight>
+                  <a:srgbClr val="FFFF00"/>
+                </a:highlight>
+                <a:ea typeface="Calibri"/>
+                <a:cs typeface="Times New Roman"/>
+              </a:rPr>
+              <a:t>franšizora</a:t>
+            </a:r>
+            <a:r>
+              <a:rPr kumimoji="0" lang="hr-HR" sz="2000" i="0" u="none" strike="noStrike" kern="0" cap="none" spc="0" normalizeH="0" noProof="0" dirty="0" smtClean="0">
+                <a:ln>
+                  <a:noFill/>
+                </a:ln>
+                <a:solidFill>
+                  <a:schemeClr val="bg1"/>
+                </a:solidFill>
+                <a:effectLst/>
+                <a:uLnTx/>
+                <a:uFillTx/>
+                <a:latin typeface="Calibri"/>
+                <a:cs typeface="Calibri" pitchFamily="34" charset="0"/>
+              </a:rPr>
+              <a:t>)</a:t>
+            </a:r>
+            <a:endParaRPr kumimoji="0" lang="hr-HR" sz="2000" i="0" u="none" strike="noStrike" kern="0" cap="none" spc="0" normalizeH="0" baseline="0" noProof="0" dirty="0" smtClean="0">
+              <a:ln>
+                <a:noFill/>
+              </a:ln>
+              <a:solidFill>
+                <a:schemeClr val="bg1"/>
+              </a:solidFill>
+              <a:effectLst/>
+              <a:uLnTx/>
+              <a:uFillTx/>
+              <a:latin typeface="Calibri"/>
+              <a:cs typeface="Calibri" pitchFamily="34" charset="0"/>
+            </a:endParaRPr>
+          </a:p>
+        </p:txBody>
+      </p:sp>
+      <p:pic>
+        <p:nvPicPr>
+          <p:cNvPr id="1026" name="Picture 2" descr="Slikovni rezultat za mcdonalds logo"/>
+          <p:cNvPicPr>
+            <a:picLocks noChangeAspect="1" noChangeArrowheads="1"/>
+          </p:cNvPicPr>
+          <p:nvPr/>
+        </p:nvPicPr>
+        <p:blipFill>
+          <a:blip r:embed="rId6" cstate="print">
+            <a:extLst>
+              <a:ext uri="{28A0092B-C50C-407E-A947-70E740481C1C}">
+                <a14:useLocalDpi xmlns:a14="http://schemas.microsoft.com/office/drawing/2010/main" val="0"/>
+              </a:ext>
+            </a:extLst>
+          </a:blip>
+          <a:srcRect/>
+          <a:stretch>
+            <a:fillRect/>
+          </a:stretch>
+        </p:blipFill>
+        <p:spPr bwMode="auto">
+          <a:xfrm>
+            <a:off x="6037578" y="476672"/>
+            <a:ext cx="1113731" cy="1089264"/>
+          </a:xfrm>
+          <a:prstGeom prst="rect">
+            <a:avLst/>
+          </a:prstGeom>
+          <a:solidFill>
+            <a:schemeClr val="bg1"/>
+          </a:solidFill>
+        </p:spPr>
+      </p:pic>
     </p:spTree>
   </p:cSld>
   <p:clrMapOvr>
     <a:masterClrMapping/>
   </p:clrMapOvr>
-  <mc:AlternateContent xmlns:mc="http://schemas.openxmlformats.org/markup-compatibility/2006">
-    <mc:Choice xmlns:p14="http://schemas.microsoft.com/office/powerpoint/2010/main" Requires="p14">
+  <mc:AlternateContent xmlns:mc="http://schemas.openxmlformats.org/markup-compatibility/2006" xmlns:p14="http://schemas.microsoft.com/office/powerpoint/2010/main">
+    <mc:Choice Requires="p14">
       <p:transition>
         <p14:reveal/>
       </p:transition>
     </mc:Choice>
-    <mc:Fallback>
+    <mc:Fallback xmlns="">
       <p:transition>
         <p:fade/>
       </p:transition>
@@ -21596,7 +22163,7 @@
                             </p:stCondLst>
                             <p:childTnLst>
                               <p:par>
-                                <p:cTn id="21" presetID="10" presetClass="entr" presetSubtype="0" fill="hold" nodeType="afterEffect">
+                                <p:cTn id="21" presetID="53" presetClass="entr" presetSubtype="16" fill="hold" nodeType="afterEffect">
                                   <p:stCondLst>
                                     <p:cond delay="0"/>
                                   </p:stCondLst>
@@ -21609,7 +22176,159 @@
                                           </p:stCondLst>
                                         </p:cTn>
                                         <p:tgtEl>
-                                          <p:spTgt spid="9"/>
+                                          <p:spTgt spid="3"/>
+                                        </p:tgtEl>
+                                        <p:attrNameLst>
+                                          <p:attrName>style.visibility</p:attrName>
+                                        </p:attrNameLst>
+                                      </p:cBhvr>
+                                      <p:to>
+                                        <p:strVal val="visible"/>
+                                      </p:to>
+                                    </p:set>
+                                    <p:anim calcmode="lin" valueType="num">
+                                      <p:cBhvr>
+                                        <p:cTn id="23" dur="250" fill="hold"/>
+                                        <p:tgtEl>
+                                          <p:spTgt spid="3"/>
+                                        </p:tgtEl>
+                                        <p:attrNameLst>
+                                          <p:attrName>ppt_w</p:attrName>
+                                        </p:attrNameLst>
+                                      </p:cBhvr>
+                                      <p:tavLst>
+                                        <p:tav tm="0">
+                                          <p:val>
+                                            <p:fltVal val="0"/>
+                                          </p:val>
+                                        </p:tav>
+                                        <p:tav tm="100000">
+                                          <p:val>
+                                            <p:strVal val="#ppt_w"/>
+                                          </p:val>
+                                        </p:tav>
+                                      </p:tavLst>
+                                    </p:anim>
+                                    <p:anim calcmode="lin" valueType="num">
+                                      <p:cBhvr>
+                                        <p:cTn id="24" dur="250" fill="hold"/>
+                                        <p:tgtEl>
+                                          <p:spTgt spid="3"/>
+                                        </p:tgtEl>
+                                        <p:attrNameLst>
+                                          <p:attrName>ppt_h</p:attrName>
+                                        </p:attrNameLst>
+                                      </p:cBhvr>
+                                      <p:tavLst>
+                                        <p:tav tm="0">
+                                          <p:val>
+                                            <p:fltVal val="0"/>
+                                          </p:val>
+                                        </p:tav>
+                                        <p:tav tm="100000">
+                                          <p:val>
+                                            <p:strVal val="#ppt_h"/>
+                                          </p:val>
+                                        </p:tav>
+                                      </p:tavLst>
+                                    </p:anim>
+                                    <p:animEffect transition="in" filter="fade">
+                                      <p:cBhvr>
+                                        <p:cTn id="25" dur="250"/>
+                                        <p:tgtEl>
+                                          <p:spTgt spid="3"/>
+                                        </p:tgtEl>
+                                      </p:cBhvr>
+                                    </p:animEffect>
+                                  </p:childTnLst>
+                                </p:cTn>
+                              </p:par>
+                            </p:childTnLst>
+                          </p:cTn>
+                        </p:par>
+                      </p:childTnLst>
+                    </p:cTn>
+                  </p:par>
+                  <p:par>
+                    <p:cTn id="26" fill="hold">
+                      <p:stCondLst>
+                        <p:cond delay="indefinite"/>
+                      </p:stCondLst>
+                      <p:childTnLst>
+                        <p:par>
+                          <p:cTn id="27" fill="hold">
+                            <p:stCondLst>
+                              <p:cond delay="0"/>
+                            </p:stCondLst>
+                            <p:childTnLst>
+                              <p:par>
+                                <p:cTn id="28" presetID="22" presetClass="entr" presetSubtype="4" fill="hold" grpId="0" nodeType="clickEffect">
+                                  <p:stCondLst>
+                                    <p:cond delay="0"/>
+                                  </p:stCondLst>
+                                  <p:childTnLst>
+                                    <p:set>
+                                      <p:cBhvr>
+                                        <p:cTn id="29" dur="1" fill="hold">
+                                          <p:stCondLst>
+                                            <p:cond delay="0"/>
+                                          </p:stCondLst>
+                                        </p:cTn>
+                                        <p:tgtEl>
+                                          <p:spTgt spid="14"/>
+                                        </p:tgtEl>
+                                        <p:attrNameLst>
+                                          <p:attrName>style.visibility</p:attrName>
+                                        </p:attrNameLst>
+                                      </p:cBhvr>
+                                      <p:to>
+                                        <p:strVal val="visible"/>
+                                      </p:to>
+                                    </p:set>
+                                    <p:animEffect transition="in" filter="wipe(down)">
+                                      <p:cBhvr>
+                                        <p:cTn id="30" dur="250"/>
+                                        <p:tgtEl>
+                                          <p:spTgt spid="14"/>
+                                        </p:tgtEl>
+                                      </p:cBhvr>
+                                    </p:animEffect>
+                                  </p:childTnLst>
+                                </p:cTn>
+                              </p:par>
+                            </p:childTnLst>
+                          </p:cTn>
+                        </p:par>
+                      </p:childTnLst>
+                    </p:cTn>
+                  </p:par>
+                  <p:par>
+                    <p:cTn id="31" fill="hold">
+                      <p:stCondLst>
+                        <p:cond delay="indefinite"/>
+                      </p:stCondLst>
+                      <p:childTnLst>
+                        <p:par>
+                          <p:cTn id="32" fill="hold">
+                            <p:stCondLst>
+                              <p:cond delay="0"/>
+                            </p:stCondLst>
+                            <p:childTnLst>
+                              <p:par>
+                                <p:cTn id="33" presetID="10" presetClass="entr" presetSubtype="0" fill="hold" nodeType="clickEffect">
+                                  <p:stCondLst>
+                                    <p:cond delay="0"/>
+                                  </p:stCondLst>
+                                  <p:childTnLst>
+                                    <p:set>
+                                      <p:cBhvr>
+                                        <p:cTn id="34" dur="1" fill="hold">
+                                          <p:stCondLst>
+                                            <p:cond delay="0"/>
+                                          </p:stCondLst>
+                                        </p:cTn>
+                                        <p:tgtEl>
+                                          <p:spTgt spid="1026"/>
                                         </p:tgtEl>
                                         <p:attrNameLst>
                                           <p:attrName>style.visibility</p:attrName>
@@ -21621,9 +22340,9 @@
                                     </p:set>
                                     <p:animEffect transition="in" filter="fade">
                                       <p:cBhvr>
-                                        <p:cTn id="23" dur="250"/>
+                                        <p:cTn id="35" dur="500"/>
                                         <p:tgtEl>
-                                          <p:spTgt spid="9"/>
+                                          <p:spTgt spid="1026"/>
                                         </p:tgtEl>
                                       </p:cBhvr>
                                     </p:animEffect>
@@ -21659,6 +22378,7 @@
     </p:tnLst>
     <p:bldLst>
       <p:bldP spid="6" grpId="0" uiExpand="1" build="p"/>
+      <p:bldP spid="14" grpId="0" animBg="1"/>
     </p:bldLst>
   </p:timing>
 </p:sld>
@@ -21958,7 +22678,7 @@
                 <a:ea typeface="+mn-ea"/>
                 <a:cs typeface="Arial" pitchFamily="34" charset="0"/>
               </a:rPr>
-              <a:t>je samostalna gospodarska organizacija</a:t>
+              <a:t>je samostalna organizacijska jedinica </a:t>
             </a:r>
             <a:r>
               <a:rPr kumimoji="0" lang="hr-HR" sz="2400" i="0" u="none" strike="noStrike" kern="1200" cap="none" spc="0" normalizeH="0" noProof="0" dirty="0" smtClean="0">
@@ -21974,7 +22694,7 @@
                 <a:ea typeface="+mn-ea"/>
                 <a:cs typeface="Arial" pitchFamily="34" charset="0"/>
               </a:rPr>
-              <a:t> koja se </a:t>
+              <a:t>koja se </a:t>
             </a:r>
             <a:r>
               <a:rPr kumimoji="0" lang="hr-HR" sz="2400" i="0" u="sng" strike="noStrike" kern="1200" cap="none" spc="0" normalizeH="0" noProof="0" dirty="0" smtClean="0">
@@ -21990,7 +22710,7 @@
                 <a:ea typeface="+mn-ea"/>
                 <a:cs typeface="Arial" pitchFamily="34" charset="0"/>
               </a:rPr>
-              <a:t>služi činiteljima proizvodnje</a:t>
+              <a:t>koristi činiteljima proizvodnje</a:t>
             </a:r>
             <a:r>
               <a:rPr kumimoji="0" lang="hr-HR" sz="2400" i="0" strike="noStrike" kern="1200" cap="none" spc="0" normalizeH="0" noProof="0" dirty="0" smtClean="0">
@@ -22613,13 +23333,13 @@
   <p:clrMapOvr>
     <a:masterClrMapping/>
   </p:clrMapOvr>
-  <mc:AlternateContent xmlns:mc="http://schemas.openxmlformats.org/markup-compatibility/2006">
-    <mc:Choice xmlns:p14="http://schemas.microsoft.com/office/powerpoint/2010/main" Requires="p14">
+  <mc:AlternateContent xmlns:mc="http://schemas.openxmlformats.org/markup-compatibility/2006" xmlns:p14="http://schemas.microsoft.com/office/powerpoint/2010/main">
+    <mc:Choice Requires="p14">
       <p:transition>
         <p14:reveal/>
       </p:transition>
     </mc:Choice>
-    <mc:Fallback>
+    <mc:Fallback xmlns="">
       <p:transition>
         <p:fade/>
       </p:transition>
@@ -23249,9 +23969,7 @@
             <a:srgbClr val="002060"/>
           </a:solidFill>
           <a:ln w="19050">
-            <a:solidFill>
-              <a:schemeClr val="tx1"/>
-            </a:solidFill>
+            <a:noFill/>
           </a:ln>
         </p:spPr>
         <p:style>
@@ -23324,9 +24042,7 @@
             <a:srgbClr val="002060"/>
           </a:solidFill>
           <a:ln w="19050">
-            <a:solidFill>
-              <a:schemeClr val="tx1"/>
-            </a:solidFill>
+            <a:noFill/>
           </a:ln>
         </p:spPr>
         <p:style>
@@ -23396,9 +24112,7 @@
             <a:srgbClr val="C00000"/>
           </a:solidFill>
           <a:ln w="19050">
-            <a:solidFill>
-              <a:schemeClr val="tx1"/>
-            </a:solidFill>
+            <a:noFill/>
           </a:ln>
         </p:spPr>
         <p:style>
@@ -23601,7 +24315,25 @@
                 </a:solidFill>
                 <a:cs typeface="Arial" pitchFamily="34" charset="0"/>
               </a:rPr>
-              <a:t>samostalne gosp. </a:t>
+              <a:t>samostalne </a:t>
+            </a:r>
+            <a:r>
+              <a:rPr lang="hr-HR" sz="2000" dirty="0" err="1" smtClean="0">
+                <a:solidFill>
+                  <a:schemeClr val="bg1"/>
+                </a:solidFill>
+                <a:cs typeface="Arial" pitchFamily="34" charset="0"/>
+              </a:rPr>
+              <a:t>gosp</a:t>
+            </a:r>
+            <a:r>
+              <a:rPr lang="hr-HR" sz="2000" dirty="0" smtClean="0">
+                <a:solidFill>
+                  <a:schemeClr val="bg1"/>
+                </a:solidFill>
+                <a:cs typeface="Arial" pitchFamily="34" charset="0"/>
+              </a:rPr>
+              <a:t>. </a:t>
             </a:r>
             <a:r>
               <a:rPr lang="hr-HR" sz="2000" dirty="0" err="1" smtClean="0">
@@ -23719,13 +24451,13 @@
   <p:clrMapOvr>
     <a:masterClrMapping/>
   </p:clrMapOvr>
-  <mc:AlternateContent xmlns:mc="http://schemas.openxmlformats.org/markup-compatibility/2006">
-    <mc:Choice xmlns:p14="http://schemas.microsoft.com/office/powerpoint/2010/main" Requires="p14">
+  <mc:AlternateContent xmlns:mc="http://schemas.openxmlformats.org/markup-compatibility/2006" xmlns:p14="http://schemas.microsoft.com/office/powerpoint/2010/main">
+    <mc:Choice Requires="p14">
       <p:transition>
         <p14:reveal/>
       </p:transition>
     </mc:Choice>
-    <mc:Fallback>
+    <mc:Fallback xmlns="">
       <p:transition>
         <p:fade/>
       </p:transition>
@@ -24228,9 +24960,7 @@
             <a:srgbClr val="002060"/>
           </a:solidFill>
           <a:ln w="19050">
-            <a:solidFill>
-              <a:schemeClr val="tx1"/>
-            </a:solidFill>
+            <a:noFill/>
           </a:ln>
         </p:spPr>
         <p:style>
@@ -24309,9 +25039,7 @@
             <a:srgbClr val="C00000"/>
           </a:solidFill>
           <a:ln w="19050">
-            <a:solidFill>
-              <a:schemeClr val="tx1"/>
-            </a:solidFill>
+            <a:noFill/>
           </a:ln>
         </p:spPr>
         <p:style>
@@ -24390,9 +25118,7 @@
             <a:srgbClr val="0070C0"/>
           </a:solidFill>
           <a:ln w="19050">
-            <a:solidFill>
-              <a:schemeClr val="tx1"/>
-            </a:solidFill>
+            <a:noFill/>
           </a:ln>
         </p:spPr>
         <p:style>
@@ -24471,9 +25197,7 @@
             <a:srgbClr val="35961A"/>
           </a:solidFill>
           <a:ln w="19050">
-            <a:solidFill>
-              <a:schemeClr val="tx1"/>
-            </a:solidFill>
+            <a:noFill/>
           </a:ln>
         </p:spPr>
         <p:style>
@@ -24795,7 +25519,20 @@
                 </a:solidFill>
                 <a:cs typeface="Calibri" pitchFamily="34" charset="0"/>
               </a:rPr>
-              <a:t>obavljaju fizičke osobe </a:t>
+              <a:t>obavljaju </a:t>
+            </a:r>
+            <a:r>
+              <a:rPr lang="hr-HR" b="1" dirty="0">
+                <a:solidFill>
+                  <a:srgbClr val="FF0000"/>
+                </a:solidFill>
+                <a:highlight>
+                  <a:srgbClr val="FFFF00"/>
+                </a:highlight>
+                <a:ea typeface="Calibri"/>
+                <a:cs typeface="Times New Roman"/>
+              </a:rPr>
+              <a:t>fizičke osobe </a:t>
             </a:r>
             <a:r>
               <a:rPr lang="hr-HR" dirty="0">
@@ -25405,13 +26142,13 @@
   <p:clrMapOvr>
     <a:masterClrMapping/>
   </p:clrMapOvr>
-  <mc:AlternateContent xmlns:mc="http://schemas.openxmlformats.org/markup-compatibility/2006">
-    <mc:Choice xmlns:p14="http://schemas.microsoft.com/office/powerpoint/2010/main" Requires="p14">
+  <mc:AlternateContent xmlns:mc="http://schemas.openxmlformats.org/markup-compatibility/2006" xmlns:p14="http://schemas.microsoft.com/office/powerpoint/2010/main">
+    <mc:Choice Requires="p14">
       <p:transition>
         <p14:reveal/>
       </p:transition>
     </mc:Choice>
-    <mc:Fallback>
+    <mc:Fallback xmlns="">
       <p:transition>
         <p:fade/>
       </p:transition>
@@ -26477,9 +27214,7 @@
             <a:srgbClr val="002060"/>
           </a:solidFill>
           <a:ln w="19050">
-            <a:solidFill>
-              <a:schemeClr val="tx1"/>
-            </a:solidFill>
+            <a:noFill/>
           </a:ln>
         </p:spPr>
         <p:style>
@@ -26552,9 +27287,7 @@
             <a:srgbClr val="002060"/>
           </a:solidFill>
           <a:ln w="19050">
-            <a:solidFill>
-              <a:schemeClr val="tx1"/>
-            </a:solidFill>
+            <a:noFill/>
           </a:ln>
         </p:spPr>
         <p:style>
@@ -26624,9 +27357,7 @@
             <a:srgbClr val="C00000"/>
           </a:solidFill>
           <a:ln w="19050">
-            <a:solidFill>
-              <a:schemeClr val="tx1"/>
-            </a:solidFill>
+            <a:noFill/>
           </a:ln>
         </p:spPr>
         <p:style>
@@ -26776,9 +27507,7 @@
             <a:srgbClr val="002060"/>
           </a:solidFill>
           <a:ln w="19050">
-            <a:solidFill>
-              <a:schemeClr val="tx1"/>
-            </a:solidFill>
+            <a:noFill/>
           </a:ln>
         </p:spPr>
         <p:style>
@@ -26848,9 +27577,7 @@
             <a:srgbClr val="002060"/>
           </a:solidFill>
           <a:ln w="19050">
-            <a:solidFill>
-              <a:schemeClr val="tx1"/>
-            </a:solidFill>
+            <a:noFill/>
           </a:ln>
         </p:spPr>
         <p:style>
@@ -26875,7 +27602,7 @@
           <a:p>
             <a:pPr lvl="0" algn="ctr"/>
             <a:r>
-              <a:rPr lang="hr-HR" b="1" smtClean="0">
+              <a:rPr lang="hr-HR" b="1" dirty="0" smtClean="0">
                 <a:solidFill>
                   <a:prstClr val="white"/>
                 </a:solidFill>
@@ -26891,7 +27618,7 @@
               </a:rPr>
               <a:t>VEZANI</a:t>
             </a:r>
-            <a:endParaRPr lang="hr-HR" b="1">
+            <a:endParaRPr lang="hr-HR" b="1" dirty="0">
               <a:solidFill>
                 <a:prstClr val="white"/>
               </a:solidFill>
@@ -27006,9 +27733,7 @@
             <a:srgbClr val="35961A"/>
           </a:solidFill>
           <a:ln w="19050">
-            <a:solidFill>
-              <a:schemeClr val="tx1"/>
-            </a:solidFill>
+            <a:noFill/>
           </a:ln>
         </p:spPr>
         <p:style>
@@ -27078,9 +27803,7 @@
             <a:srgbClr val="C00000"/>
           </a:solidFill>
           <a:ln w="19050">
-            <a:solidFill>
-              <a:schemeClr val="tx1"/>
-            </a:solidFill>
+            <a:noFill/>
           </a:ln>
         </p:spPr>
         <p:style>
@@ -27236,9 +27959,7 @@
             <a:srgbClr val="002060"/>
           </a:solidFill>
           <a:ln w="19050">
-            <a:solidFill>
-              <a:schemeClr val="tx1"/>
-            </a:solidFill>
+            <a:noFill/>
           </a:ln>
         </p:spPr>
         <p:style>
@@ -27355,9 +28076,7 @@
             <a:srgbClr val="35961A"/>
           </a:solidFill>
           <a:ln w="19050">
-            <a:solidFill>
-              <a:schemeClr val="tx1"/>
-            </a:solidFill>
+            <a:noFill/>
           </a:ln>
         </p:spPr>
         <p:style>
@@ -27433,9 +28152,7 @@
             <a:srgbClr val="35961A"/>
           </a:solidFill>
           <a:ln w="19050">
-            <a:solidFill>
-              <a:schemeClr val="tx1"/>
-            </a:solidFill>
+            <a:noFill/>
           </a:ln>
         </p:spPr>
         <p:style>
@@ -27593,9 +28310,7 @@
             <a:srgbClr val="C00000"/>
           </a:solidFill>
           <a:ln w="19050">
-            <a:solidFill>
-              <a:schemeClr val="tx1"/>
-            </a:solidFill>
+            <a:noFill/>
           </a:ln>
         </p:spPr>
         <p:style>
@@ -27671,9 +28386,7 @@
             <a:srgbClr val="C00000"/>
           </a:solidFill>
           <a:ln w="19050">
-            <a:solidFill>
-              <a:schemeClr val="tx1"/>
-            </a:solidFill>
+            <a:noFill/>
           </a:ln>
         </p:spPr>
         <p:style>
@@ -27960,20 +28673,18 @@
               <a:t>odgovaraju </a:t>
             </a:r>
             <a:r>
-              <a:rPr lang="hr-HR" sz="2400" b="1" dirty="0" smtClean="0">
+              <a:rPr lang="hr-HR" sz="2400" b="1" dirty="0">
                 <a:solidFill>
                   <a:srgbClr val="FF0000"/>
                 </a:solidFill>
-                <a:cs typeface="Arial" pitchFamily="34" charset="0"/>
+                <a:highlight>
+                  <a:srgbClr val="FFFF00"/>
+                </a:highlight>
+                <a:ea typeface="Calibri"/>
+                <a:cs typeface="Times New Roman"/>
               </a:rPr>
               <a:t>svojom imovinom</a:t>
             </a:r>
-            <a:endParaRPr lang="hr-HR" sz="2000" b="1" dirty="0" smtClean="0">
-              <a:solidFill>
-                <a:srgbClr val="FF0000"/>
-              </a:solidFill>
-              <a:cs typeface="Arial" pitchFamily="34" charset="0"/>
-            </a:endParaRPr>
           </a:p>
         </p:txBody>
       </p:sp>
@@ -28096,14 +28807,21 @@
                 </a:solidFill>
                 <a:cs typeface="Arial" pitchFamily="34" charset="0"/>
               </a:rPr>
-              <a:t>visine svoga uloga</a:t>
-            </a:r>
-            <a:endParaRPr lang="hr-HR" sz="2000" b="1" dirty="0" smtClean="0">
-              <a:solidFill>
-                <a:srgbClr val="FF0000"/>
-              </a:solidFill>
-              <a:cs typeface="Arial" pitchFamily="34" charset="0"/>
-            </a:endParaRPr>
+              <a:t>visine </a:t>
+            </a:r>
+            <a:r>
+              <a:rPr lang="hr-HR" sz="2400" b="1" dirty="0">
+                <a:solidFill>
+                  <a:srgbClr val="FF0000"/>
+                </a:solidFill>
+                <a:highlight>
+                  <a:srgbClr val="FFFF00"/>
+                </a:highlight>
+                <a:ea typeface="Calibri"/>
+                <a:cs typeface="Times New Roman"/>
+              </a:rPr>
+              <a:t>svoga uloga</a:t>
+            </a:r>
           </a:p>
         </p:txBody>
       </p:sp>
@@ -28323,13 +29041,71 @@
               <a:t> (</a:t>
             </a:r>
             <a:r>
-              <a:rPr lang="hr-HR" sz="1600" b="1" i="1" dirty="0" smtClean="0">
+              <a:rPr lang="hr-HR" sz="1600" b="1" i="1" dirty="0">
+                <a:solidFill>
+                  <a:srgbClr val="FF0000"/>
+                </a:solidFill>
+                <a:highlight>
+                  <a:srgbClr val="FFFF00"/>
+                </a:highlight>
+                <a:ea typeface="Calibri"/>
+                <a:cs typeface="Times New Roman"/>
+              </a:rPr>
+              <a:t>komplementar</a:t>
+            </a:r>
+            <a:r>
+              <a:rPr lang="hr-HR" sz="1600" dirty="0" smtClean="0">
                 <a:solidFill>
                   <a:schemeClr val="bg1"/>
                 </a:solidFill>
                 <a:cs typeface="Arial" pitchFamily="34" charset="0"/>
               </a:rPr>
-              <a:t>komplementar</a:t>
+              <a:t>) a </a:t>
+            </a:r>
+            <a:r>
+              <a:rPr lang="hr-HR" b="1" dirty="0" smtClean="0">
+                <a:solidFill>
+                  <a:srgbClr val="FF0000"/>
+                </a:solidFill>
+                <a:cs typeface="Arial" pitchFamily="34" charset="0"/>
+              </a:rPr>
+              <a:t>jedan</a:t>
+            </a:r>
+            <a:r>
+              <a:rPr lang="hr-HR" dirty="0" smtClean="0">
+                <a:solidFill>
+                  <a:srgbClr val="FF0000"/>
+                </a:solidFill>
+                <a:cs typeface="Arial" pitchFamily="34" charset="0"/>
+              </a:rPr>
+              <a:t> </a:t>
+            </a:r>
+            <a:r>
+              <a:rPr lang="hr-HR" b="1" dirty="0" smtClean="0">
+                <a:solidFill>
+                  <a:srgbClr val="FF0000"/>
+                </a:solidFill>
+                <a:cs typeface="Arial" pitchFamily="34" charset="0"/>
+              </a:rPr>
+              <a:t>dijelom</a:t>
+            </a:r>
+            <a:r>
+              <a:rPr lang="hr-HR" dirty="0" smtClean="0">
+                <a:solidFill>
+                  <a:srgbClr val="FF0000"/>
+                </a:solidFill>
+                <a:cs typeface="Arial" pitchFamily="34" charset="0"/>
+              </a:rPr>
+              <a:t> </a:t>
+            </a:r>
+            <a:r>
+              <a:rPr lang="hr-HR" dirty="0" smtClean="0">
+                <a:solidFill>
+                  <a:schemeClr val="bg1"/>
+                </a:solidFill>
+                <a:cs typeface="Arial" pitchFamily="34" charset="0"/>
+              </a:rPr>
+              <a:t>svoje </a:t>
             </a:r>
             <a:r>
               <a:rPr lang="hr-HR" sz="1600" dirty="0" smtClean="0">
@@ -28338,68 +29114,18 @@
                 </a:solidFill>
                 <a:cs typeface="Arial" pitchFamily="34" charset="0"/>
               </a:rPr>
-              <a:t>) a </a:t>
-            </a:r>
-            <a:r>
-              <a:rPr lang="hr-HR" b="1" dirty="0" smtClean="0">
+              <a:t>imovine (</a:t>
+            </a:r>
+            <a:r>
+              <a:rPr lang="hr-HR" sz="1600" b="1" i="1" dirty="0">
                 <a:solidFill>
                   <a:srgbClr val="FF0000"/>
                 </a:solidFill>
-                <a:cs typeface="Arial" pitchFamily="34" charset="0"/>
-              </a:rPr>
-              <a:t>jedan</a:t>
-            </a:r>
-            <a:r>
-              <a:rPr lang="hr-HR" dirty="0" smtClean="0">
-                <a:solidFill>
-                  <a:srgbClr val="FF0000"/>
-                </a:solidFill>
-                <a:cs typeface="Arial" pitchFamily="34" charset="0"/>
-              </a:rPr>
-              <a:t> </a:t>
-            </a:r>
-            <a:r>
-              <a:rPr lang="hr-HR" b="1" dirty="0" smtClean="0">
-                <a:solidFill>
-                  <a:srgbClr val="FF0000"/>
-                </a:solidFill>
-                <a:cs typeface="Arial" pitchFamily="34" charset="0"/>
-              </a:rPr>
-              <a:t>dijelom</a:t>
-            </a:r>
-            <a:r>
-              <a:rPr lang="hr-HR" dirty="0" smtClean="0">
-                <a:solidFill>
-                  <a:srgbClr val="FF0000"/>
-                </a:solidFill>
-                <a:cs typeface="Arial" pitchFamily="34" charset="0"/>
-              </a:rPr>
-              <a:t> </a:t>
-            </a:r>
-            <a:r>
-              <a:rPr lang="hr-HR" dirty="0" smtClean="0">
-                <a:solidFill>
-                  <a:schemeClr val="bg1"/>
-                </a:solidFill>
-                <a:cs typeface="Arial" pitchFamily="34" charset="0"/>
-              </a:rPr>
-              <a:t>svoje </a:t>
-            </a:r>
-            <a:r>
-              <a:rPr lang="hr-HR" sz="1600" dirty="0" smtClean="0">
-                <a:solidFill>
-                  <a:schemeClr val="bg1"/>
-                </a:solidFill>
-                <a:cs typeface="Arial" pitchFamily="34" charset="0"/>
-              </a:rPr>
-              <a:t>imovine (</a:t>
-            </a:r>
-            <a:r>
-              <a:rPr lang="hr-HR" sz="1600" b="1" i="1" dirty="0" smtClean="0">
-                <a:solidFill>
-                  <a:schemeClr val="bg1"/>
-                </a:solidFill>
-                <a:cs typeface="Arial" pitchFamily="34" charset="0"/>
+                <a:highlight>
+                  <a:srgbClr val="FFFF00"/>
+                </a:highlight>
+                <a:ea typeface="Calibri"/>
+                <a:cs typeface="Times New Roman"/>
               </a:rPr>
               <a:t>komanditor</a:t>
             </a:r>
@@ -28439,9 +29165,7 @@
             <a:srgbClr val="C00000"/>
           </a:solidFill>
           <a:ln w="19050">
-            <a:solidFill>
-              <a:schemeClr val="tx1"/>
-            </a:solidFill>
+            <a:noFill/>
           </a:ln>
         </p:spPr>
         <p:style>
@@ -29391,13 +30115,13 @@
   <p:clrMapOvr>
     <a:masterClrMapping/>
   </p:clrMapOvr>
-  <mc:AlternateContent xmlns:mc="http://schemas.openxmlformats.org/markup-compatibility/2006">
-    <mc:Choice xmlns:p14="http://schemas.microsoft.com/office/powerpoint/2010/main" Requires="p14">
+  <mc:AlternateContent xmlns:mc="http://schemas.openxmlformats.org/markup-compatibility/2006" xmlns:p14="http://schemas.microsoft.com/office/powerpoint/2010/main">
+    <mc:Choice Requires="p14">
       <p:transition>
         <p14:reveal/>
       </p:transition>
     </mc:Choice>
-    <mc:Fallback>
+    <mc:Fallback xmlns="">
       <p:transition>
         <p:fade/>
       </p:transition>
@@ -31000,13 +31724,13 @@
   <p:clrMapOvr>
     <a:masterClrMapping/>
   </p:clrMapOvr>
-  <mc:AlternateContent xmlns:mc="http://schemas.openxmlformats.org/markup-compatibility/2006">
-    <mc:Choice xmlns:p14="http://schemas.microsoft.com/office/powerpoint/2010/main" Requires="p14">
+  <mc:AlternateContent xmlns:mc="http://schemas.openxmlformats.org/markup-compatibility/2006" xmlns:p14="http://schemas.microsoft.com/office/powerpoint/2010/main">
+    <mc:Choice Requires="p14">
       <p:transition>
         <p14:reveal/>
       </p:transition>
     </mc:Choice>
-    <mc:Fallback>
+    <mc:Fallback xmlns="">
       <p:transition>
         <p:fade/>
       </p:transition>
@@ -31369,13 +32093,13 @@
   <p:clrMapOvr>
     <a:masterClrMapping/>
   </p:clrMapOvr>
-  <mc:AlternateContent xmlns:mc="http://schemas.openxmlformats.org/markup-compatibility/2006">
-    <mc:Choice xmlns:p14="http://schemas.microsoft.com/office/powerpoint/2010/main" Requires="p14">
+  <mc:AlternateContent xmlns:mc="http://schemas.openxmlformats.org/markup-compatibility/2006" xmlns:p14="http://schemas.microsoft.com/office/powerpoint/2010/main">
+    <mc:Choice Requires="p14">
       <p:transition>
         <p14:reveal/>
       </p:transition>
     </mc:Choice>
-    <mc:Fallback>
+    <mc:Fallback xmlns="">
       <p:transition>
         <p:fade/>
       </p:transition>
